--- a/nyit/idea/dataCenter/presentation/Cloud_Center_Security_Complete.pptx
+++ b/nyit/idea/dataCenter/presentation/Cloud_Center_Security_Complete.pptx
@@ -3111,7 +3111,9 @@
         </p:nvSpPr>
         <p:spPr/>
         <p:txBody>
-          <a:bodyPr/>
+          <a:bodyPr>
+            <a:normAutofit fontScale="90000"/>
+          </a:bodyPr>
           <a:lstStyle/>
           <a:p>
             <a:r>
@@ -3120,7 +3122,17 @@
           </a:p>
           <a:p>
             <a:r>
-              <a:t>Zhijun Jiang NYIT, Vancouver, Canada</a:t>
+              <a:t>Zhijun Jiang</a:t>
+            </a:r>
+            <a:r>
+              <a:rPr lang="en-US"/>
+              <a:t> - 1339481</a:t>
+            </a:r>
+            <a:endParaRPr lang="en-US"/>
+          </a:p>
+          <a:p>
+            <a:r>
+              <a:t> NYIT, Vancouver, Canada</a:t>
             </a:r>
           </a:p>
         </p:txBody>
@@ -3325,6 +3337,9 @@
               </a:rPr>
               <a:t>Scaling Performance at 500 RPS</a:t>
             </a:r>
+            <a:endParaRPr>
+              <a:sym typeface="+mn-ea"/>
+            </a:endParaRPr>
           </a:p>
         </p:txBody>
       </p:sp>
